--- a/inst/doc/Notes_rev1.pptx
+++ b/inst/doc/Notes_rev1.pptx
@@ -262,7 +262,7 @@
           <a:p>
             <a:fld id="{E6AB7AD8-0B88-6748-AAC4-D1B897C38793}" type="datetimeFigureOut">
               <a:rPr lang="en-US" smtClean="0"/>
-              <a:t>10/10/24</a:t>
+              <a:t>10/11/24</a:t>
             </a:fld>
             <a:endParaRPr lang="en-US"/>
           </a:p>
@@ -432,7 +432,7 @@
           <a:p>
             <a:fld id="{E6AB7AD8-0B88-6748-AAC4-D1B897C38793}" type="datetimeFigureOut">
               <a:rPr lang="en-US" smtClean="0"/>
-              <a:t>10/10/24</a:t>
+              <a:t>10/11/24</a:t>
             </a:fld>
             <a:endParaRPr lang="en-US"/>
           </a:p>
@@ -612,7 +612,7 @@
           <a:p>
             <a:fld id="{E6AB7AD8-0B88-6748-AAC4-D1B897C38793}" type="datetimeFigureOut">
               <a:rPr lang="en-US" smtClean="0"/>
-              <a:t>10/10/24</a:t>
+              <a:t>10/11/24</a:t>
             </a:fld>
             <a:endParaRPr lang="en-US"/>
           </a:p>
@@ -878,7 +878,7 @@
           <a:p>
             <a:fld id="{E6AB7AD8-0B88-6748-AAC4-D1B897C38793}" type="datetimeFigureOut">
               <a:rPr lang="en-US" smtClean="0"/>
-              <a:t>10/10/24</a:t>
+              <a:t>10/11/24</a:t>
             </a:fld>
             <a:endParaRPr lang="en-US"/>
           </a:p>
@@ -1124,7 +1124,7 @@
           <a:p>
             <a:fld id="{E6AB7AD8-0B88-6748-AAC4-D1B897C38793}" type="datetimeFigureOut">
               <a:rPr lang="en-US" smtClean="0"/>
-              <a:t>10/10/24</a:t>
+              <a:t>10/11/24</a:t>
             </a:fld>
             <a:endParaRPr lang="en-US"/>
           </a:p>
@@ -1356,7 +1356,7 @@
           <a:p>
             <a:fld id="{E6AB7AD8-0B88-6748-AAC4-D1B897C38793}" type="datetimeFigureOut">
               <a:rPr lang="en-US" smtClean="0"/>
-              <a:t>10/10/24</a:t>
+              <a:t>10/11/24</a:t>
             </a:fld>
             <a:endParaRPr lang="en-US"/>
           </a:p>
@@ -1723,7 +1723,7 @@
           <a:p>
             <a:fld id="{E6AB7AD8-0B88-6748-AAC4-D1B897C38793}" type="datetimeFigureOut">
               <a:rPr lang="en-US" smtClean="0"/>
-              <a:t>10/10/24</a:t>
+              <a:t>10/11/24</a:t>
             </a:fld>
             <a:endParaRPr lang="en-US"/>
           </a:p>
@@ -1841,7 +1841,7 @@
           <a:p>
             <a:fld id="{E6AB7AD8-0B88-6748-AAC4-D1B897C38793}" type="datetimeFigureOut">
               <a:rPr lang="en-US" smtClean="0"/>
-              <a:t>10/10/24</a:t>
+              <a:t>10/11/24</a:t>
             </a:fld>
             <a:endParaRPr lang="en-US"/>
           </a:p>
@@ -1936,7 +1936,7 @@
           <a:p>
             <a:fld id="{E6AB7AD8-0B88-6748-AAC4-D1B897C38793}" type="datetimeFigureOut">
               <a:rPr lang="en-US" smtClean="0"/>
-              <a:t>10/10/24</a:t>
+              <a:t>10/11/24</a:t>
             </a:fld>
             <a:endParaRPr lang="en-US"/>
           </a:p>
@@ -2213,7 +2213,7 @@
           <a:p>
             <a:fld id="{E6AB7AD8-0B88-6748-AAC4-D1B897C38793}" type="datetimeFigureOut">
               <a:rPr lang="en-US" smtClean="0"/>
-              <a:t>10/10/24</a:t>
+              <a:t>10/11/24</a:t>
             </a:fld>
             <a:endParaRPr lang="en-US"/>
           </a:p>
@@ -2470,7 +2470,7 @@
           <a:p>
             <a:fld id="{E6AB7AD8-0B88-6748-AAC4-D1B897C38793}" type="datetimeFigureOut">
               <a:rPr lang="en-US" smtClean="0"/>
-              <a:t>10/10/24</a:t>
+              <a:t>10/11/24</a:t>
             </a:fld>
             <a:endParaRPr lang="en-US"/>
           </a:p>
@@ -2683,7 +2683,7 @@
           <a:p>
             <a:fld id="{E6AB7AD8-0B88-6748-AAC4-D1B897C38793}" type="datetimeFigureOut">
               <a:rPr lang="en-US" smtClean="0"/>
-              <a:t>10/10/24</a:t>
+              <a:t>10/11/24</a:t>
             </a:fld>
             <a:endParaRPr lang="en-US"/>
           </a:p>
@@ -6762,7 +6762,7 @@
         </p:nvSpPr>
         <p:spPr>
           <a:xfrm>
-            <a:off x="731159" y="474480"/>
+            <a:off x="94550" y="402728"/>
             <a:ext cx="8158197" cy="428345"/>
           </a:xfrm>
           <a:prstGeom prst="rect">
@@ -6811,7 +6811,7 @@
                 </a:solidFill>
                 <a:latin typeface="Times New Roman"/>
               </a:rPr>
-              <a:t>There is also a CRFutil2 built-in feature function for convenience:</a:t>
+              <a:t>There is also CRFutil2 built-in feature functions for convenience:</a:t>
             </a:r>
             <a:endParaRPr lang="en-US" sz="2200" b="0" strike="noStrike" spc="-1" dirty="0">
               <a:latin typeface="Arial"/>
@@ -6833,7 +6833,7 @@
         </p:nvSpPr>
         <p:spPr>
           <a:xfrm>
-            <a:off x="687132" y="1526815"/>
+            <a:off x="687132" y="2082398"/>
             <a:ext cx="7756908" cy="3137867"/>
           </a:xfrm>
           <a:prstGeom prst="rect">
@@ -6872,20 +6872,29 @@
             <a:r>
               <a:rPr lang="en-US" spc="-1" dirty="0">
                 <a:solidFill>
+                  <a:srgbClr val="FF6B00"/>
+                </a:solidFill>
+                <a:latin typeface="Courier New"/>
+              </a:rPr>
+              <a:t>l</a:t>
+            </a:r>
+            <a:r>
+              <a:rPr lang="en-US" sz="1800" b="0" strike="noStrike" spc="-1" dirty="0">
+                <a:solidFill>
+                  <a:srgbClr val="FF6B00"/>
+                </a:solidFill>
+                <a:latin typeface="Courier New"/>
+              </a:rPr>
+              <a:t>ibrary</a:t>
+            </a:r>
+            <a:r>
+              <a:rPr lang="en-US" sz="1800" b="0" strike="noStrike" spc="-1" dirty="0">
+                <a:solidFill>
                   <a:schemeClr val="bg1"/>
                 </a:solidFill>
                 <a:latin typeface="Courier New"/>
               </a:rPr>
-              <a:t>l</a:t>
-            </a:r>
-            <a:r>
-              <a:rPr lang="en-US" sz="1800" b="0" strike="noStrike" spc="-1" dirty="0">
-                <a:solidFill>
-                  <a:schemeClr val="bg1"/>
-                </a:solidFill>
-                <a:latin typeface="Courier New"/>
-              </a:rPr>
-              <a:t>ibrary(CRFutil2)</a:t>
+              <a:t>(CRFutil2)</a:t>
             </a:r>
           </a:p>
           <a:p>
@@ -7214,7 +7223,7 @@
         </p:blipFill>
         <p:spPr>
           <a:xfrm>
-            <a:off x="1263650" y="5193095"/>
+            <a:off x="1257236" y="5653353"/>
             <a:ext cx="6616700" cy="546100"/>
           </a:xfrm>
           <a:prstGeom prst="rect">
@@ -7222,6 +7231,91 @@
           </a:prstGeom>
         </p:spPr>
       </p:pic>
+      <p:sp>
+        <p:nvSpPr>
+          <p:cNvPr id="4" name="TextBox 3">
+            <a:extLst>
+              <a:ext uri="{FF2B5EF4-FFF2-40B4-BE49-F238E27FC236}">
+                <a16:creationId xmlns:a16="http://schemas.microsoft.com/office/drawing/2014/main" id="{6CB6AC27-C48C-4586-91D3-CA236BD57FB4}"/>
+              </a:ext>
+            </a:extLst>
+          </p:cNvPr>
+          <p:cNvSpPr txBox="1"/>
+          <p:nvPr/>
+        </p:nvSpPr>
+        <p:spPr>
+          <a:xfrm>
+            <a:off x="7929236" y="460556"/>
+            <a:ext cx="1145314" cy="1200329"/>
+          </a:xfrm>
+          <a:prstGeom prst="rect">
+            <a:avLst/>
+          </a:prstGeom>
+          <a:noFill/>
+        </p:spPr>
+        <p:txBody>
+          <a:bodyPr wrap="none" rtlCol="0">
+            <a:spAutoFit/>
+          </a:bodyPr>
+          <a:lstStyle/>
+          <a:p>
+            <a:r>
+              <a:rPr lang="en-US" b="1" dirty="0">
+                <a:latin typeface="Times New Roman" panose="02020603050405020304" pitchFamily="18" charset="0"/>
+                <a:cs typeface="Times New Roman" panose="02020603050405020304" pitchFamily="18" charset="0"/>
+                <a:hlinkClick r:id="rId3"/>
+              </a:rPr>
+              <a:t>ff0.R</a:t>
+            </a:r>
+            <a:endParaRPr lang="en-US" b="1" dirty="0">
+              <a:latin typeface="Times New Roman" panose="02020603050405020304" pitchFamily="18" charset="0"/>
+              <a:cs typeface="Times New Roman" panose="02020603050405020304" pitchFamily="18" charset="0"/>
+            </a:endParaRPr>
+          </a:p>
+          <a:p>
+            <a:r>
+              <a:rPr lang="en-US" b="1" dirty="0">
+                <a:latin typeface="Times New Roman" panose="02020603050405020304" pitchFamily="18" charset="0"/>
+                <a:cs typeface="Times New Roman" panose="02020603050405020304" pitchFamily="18" charset="0"/>
+                <a:hlinkClick r:id="rId4"/>
+              </a:rPr>
+              <a:t>ff0_C.cpp</a:t>
+            </a:r>
+            <a:endParaRPr lang="en-US" b="1" dirty="0">
+              <a:latin typeface="Times New Roman" panose="02020603050405020304" pitchFamily="18" charset="0"/>
+              <a:cs typeface="Times New Roman" panose="02020603050405020304" pitchFamily="18" charset="0"/>
+            </a:endParaRPr>
+          </a:p>
+          <a:p>
+            <a:r>
+              <a:rPr lang="en-US" b="1" dirty="0">
+                <a:latin typeface="Times New Roman" panose="02020603050405020304" pitchFamily="18" charset="0"/>
+                <a:cs typeface="Times New Roman" panose="02020603050405020304" pitchFamily="18" charset="0"/>
+                <a:hlinkClick r:id="rId5"/>
+              </a:rPr>
+              <a:t>ff1_C.cpp</a:t>
+            </a:r>
+            <a:endParaRPr lang="en-US" b="1" dirty="0">
+              <a:latin typeface="Times New Roman" panose="02020603050405020304" pitchFamily="18" charset="0"/>
+              <a:cs typeface="Times New Roman" panose="02020603050405020304" pitchFamily="18" charset="0"/>
+            </a:endParaRPr>
+          </a:p>
+          <a:p>
+            <a:r>
+              <a:rPr lang="en-US" b="1" dirty="0">
+                <a:latin typeface="Times New Roman" panose="02020603050405020304" pitchFamily="18" charset="0"/>
+                <a:cs typeface="Times New Roman" panose="02020603050405020304" pitchFamily="18" charset="0"/>
+                <a:hlinkClick r:id="rId6"/>
+              </a:rPr>
+              <a:t>ff2_C.cpp</a:t>
+            </a:r>
+            <a:endParaRPr lang="en-US" b="1" dirty="0">
+              <a:latin typeface="Times New Roman" panose="02020603050405020304" pitchFamily="18" charset="0"/>
+              <a:cs typeface="Times New Roman" panose="02020603050405020304" pitchFamily="18" charset="0"/>
+            </a:endParaRPr>
+          </a:p>
+        </p:txBody>
+      </p:sp>
     </p:spTree>
     <p:extLst>
       <p:ext uri="{BB962C8B-B14F-4D97-AF65-F5344CB8AC3E}">
@@ -7902,7 +7996,7 @@
         <p:spPr>
           <a:xfrm>
             <a:off x="1398546" y="1067204"/>
-            <a:ext cx="6470211" cy="2799313"/>
+            <a:ext cx="6470211" cy="3291755"/>
           </a:xfrm>
           <a:prstGeom prst="rect">
             <a:avLst/>
@@ -7932,6 +8026,48 @@
           </a:bodyPr>
           <a:lstStyle/>
           <a:p>
+            <a:r>
+              <a:rPr lang="en-US" sz="1600" spc="-1" dirty="0">
+                <a:solidFill>
+                  <a:srgbClr val="FF6B00"/>
+                </a:solidFill>
+                <a:latin typeface="Courier New"/>
+              </a:rPr>
+              <a:t>l</a:t>
+            </a:r>
+            <a:r>
+              <a:rPr lang="en-US" sz="1600" b="0" strike="noStrike" spc="-1" dirty="0">
+                <a:solidFill>
+                  <a:srgbClr val="FF6B00"/>
+                </a:solidFill>
+                <a:latin typeface="Courier New"/>
+              </a:rPr>
+              <a:t>ibrary</a:t>
+            </a:r>
+            <a:r>
+              <a:rPr lang="en-US" sz="1600" b="0" strike="noStrike" spc="-1" dirty="0">
+                <a:solidFill>
+                  <a:schemeClr val="bg1"/>
+                </a:solidFill>
+                <a:latin typeface="Courier New"/>
+              </a:rPr>
+              <a:t>(CRFutil2)</a:t>
+            </a:r>
+          </a:p>
+          <a:p>
+            <a:pPr>
+              <a:lnSpc>
+                <a:spcPct val="100000"/>
+              </a:lnSpc>
+            </a:pPr>
+            <a:endParaRPr lang="en-US" sz="1600" b="0" strike="noStrike" spc="-1" dirty="0">
+              <a:solidFill>
+                <a:srgbClr val="FFFF00"/>
+              </a:solidFill>
+              <a:latin typeface="Courier New"/>
+            </a:endParaRPr>
+          </a:p>
+          <a:p>
             <a:pPr>
               <a:lnSpc>
                 <a:spcPct val="100000"/>
@@ -8390,7 +8526,7 @@
         </p:blipFill>
         <p:spPr>
           <a:xfrm>
-            <a:off x="1530349" y="4161020"/>
+            <a:off x="1530349" y="4496687"/>
             <a:ext cx="6083300" cy="2222500"/>
           </a:xfrm>
           <a:prstGeom prst="rect">
@@ -12833,25 +12969,7 @@
                 </a:solidFill>
                 <a:latin typeface="Courier New"/>
               </a:rPr>
-              <a:t> and install </a:t>
-            </a:r>
-            <a:r>
-              <a:rPr lang="en-US" sz="1400" b="0" strike="noStrike" spc="-1" dirty="0" err="1">
-                <a:solidFill>
-                  <a:srgbClr val="FFFF00"/>
-                </a:solidFill>
-                <a:latin typeface="Courier New"/>
-              </a:rPr>
-              <a:t>CRFutil</a:t>
-            </a:r>
-            <a:r>
-              <a:rPr lang="en-US" sz="1400" b="0" strike="noStrike" spc="-1" dirty="0">
-                <a:solidFill>
-                  <a:srgbClr val="FFFF00"/>
-                </a:solidFill>
-                <a:latin typeface="Courier New"/>
-              </a:rPr>
-              <a:t> from </a:t>
+              <a:t> and install CRFutil2 from </a:t>
             </a:r>
             <a:r>
               <a:rPr lang="en-US" sz="1400" b="0" strike="noStrike" spc="-1" dirty="0" err="1">
@@ -12879,25 +12997,7 @@
                 </a:solidFill>
                 <a:latin typeface="Courier New"/>
               </a:rPr>
-              <a:t># </a:t>
-            </a:r>
-            <a:r>
-              <a:rPr lang="en-US" sz="1400" b="0" strike="noStrike" spc="-1" dirty="0" err="1">
-                <a:solidFill>
-                  <a:srgbClr val="FFFF00"/>
-                </a:solidFill>
-                <a:latin typeface="Courier New"/>
-              </a:rPr>
-              <a:t>CRFutil</a:t>
-            </a:r>
-            <a:r>
-              <a:rPr lang="en-US" sz="1400" b="0" strike="noStrike" spc="-1" dirty="0">
-                <a:solidFill>
-                  <a:srgbClr val="FFFF00"/>
-                </a:solidFill>
-                <a:latin typeface="Courier New"/>
-              </a:rPr>
-              <a:t> should automatically install CRF and </a:t>
+              <a:t># CRFutil2 should automatically install CRF and </a:t>
             </a:r>
             <a:r>
               <a:rPr lang="en-US" sz="1400" b="0" strike="noStrike" spc="-1" dirty="0" err="1">
@@ -12930,11 +13030,20 @@
             <a:r>
               <a:rPr lang="en-US" sz="1400" b="0" strike="noStrike" spc="-1" dirty="0">
                 <a:solidFill>
+                  <a:srgbClr val="FF6B00"/>
+                </a:solidFill>
+                <a:latin typeface="Courier New"/>
+              </a:rPr>
+              <a:t>library</a:t>
+            </a:r>
+            <a:r>
+              <a:rPr lang="en-US" sz="1400" b="0" strike="noStrike" spc="-1" dirty="0">
+                <a:solidFill>
                   <a:srgbClr val="FFFFFF"/>
                 </a:solidFill>
                 <a:latin typeface="Courier New"/>
               </a:rPr>
-              <a:t>library(</a:t>
+              <a:t>(</a:t>
             </a:r>
             <a:r>
               <a:rPr lang="en-US" sz="1400" spc="-1" dirty="0">
@@ -13007,25 +13116,7 @@
                 </a:solidFill>
                 <a:latin typeface="Courier New"/>
               </a:rPr>
-              <a:t>/</a:t>
-            </a:r>
-            <a:r>
-              <a:rPr lang="en-US" sz="1400" b="0" strike="noStrike" spc="-1" dirty="0" err="1">
-                <a:solidFill>
-                  <a:srgbClr val="00B050"/>
-                </a:solidFill>
-                <a:latin typeface="Courier New"/>
-              </a:rPr>
-              <a:t>CRFutil</a:t>
-            </a:r>
-            <a:r>
-              <a:rPr lang="en-US" sz="1400" b="0" strike="noStrike" spc="-1" dirty="0">
-                <a:solidFill>
-                  <a:srgbClr val="00B050"/>
-                </a:solidFill>
-                <a:latin typeface="Courier New"/>
-              </a:rPr>
-              <a:t>"</a:t>
+              <a:t>/CRFutil2"</a:t>
             </a:r>
             <a:r>
               <a:rPr lang="en-US" sz="1400" b="0" strike="noStrike" spc="-1" dirty="0">
@@ -13063,25 +13154,7 @@
                 </a:solidFill>
                 <a:latin typeface="Courier New"/>
               </a:rPr>
-              <a:t># Test and see if the </a:t>
-            </a:r>
-            <a:r>
-              <a:rPr lang="en-US" sz="1400" b="0" strike="noStrike" spc="-1" dirty="0" err="1">
-                <a:solidFill>
-                  <a:srgbClr val="FFFF00"/>
-                </a:solidFill>
-                <a:latin typeface="Courier New"/>
-              </a:rPr>
-              <a:t>CRFutil</a:t>
-            </a:r>
-            <a:r>
-              <a:rPr lang="en-US" sz="1400" b="0" strike="noStrike" spc="-1" dirty="0">
-                <a:solidFill>
-                  <a:srgbClr val="FFFF00"/>
-                </a:solidFill>
-                <a:latin typeface="Courier New"/>
-              </a:rPr>
-              <a:t> library loads. No error messages </a:t>
+              <a:t># Test and see if the CRFutil2 library loads. No error messages </a:t>
             </a:r>
             <a:endParaRPr lang="en-US" sz="1400" b="0" strike="noStrike" spc="-1" dirty="0">
               <a:latin typeface="Arial"/>
@@ -13115,29 +13188,20 @@
             <a:r>
               <a:rPr lang="en-US" sz="1400" b="0" strike="noStrike" spc="-1" dirty="0">
                 <a:solidFill>
+                  <a:srgbClr val="FF6B00"/>
+                </a:solidFill>
+                <a:latin typeface="Courier New"/>
+              </a:rPr>
+              <a:t>library</a:t>
+            </a:r>
+            <a:r>
+              <a:rPr lang="en-US" sz="1400" b="0" strike="noStrike" spc="-1" dirty="0">
+                <a:solidFill>
                   <a:srgbClr val="FFFFFF"/>
                 </a:solidFill>
                 <a:latin typeface="Courier New"/>
               </a:rPr>
-              <a:t>library(</a:t>
-            </a:r>
-            <a:r>
-              <a:rPr lang="en-US" sz="1400" b="0" strike="noStrike" spc="-1" dirty="0" err="1">
-                <a:solidFill>
-                  <a:srgbClr val="FFFFFF"/>
-                </a:solidFill>
-                <a:latin typeface="Courier New"/>
-              </a:rPr>
-              <a:t>CRFutil</a:t>
-            </a:r>
-            <a:r>
-              <a:rPr lang="en-US" sz="1400" b="0" strike="noStrike" spc="-1" dirty="0">
-                <a:solidFill>
-                  <a:srgbClr val="FFFFFF"/>
-                </a:solidFill>
-                <a:latin typeface="Courier New"/>
-              </a:rPr>
-              <a:t>)</a:t>
+              <a:t>(CRFutil2)</a:t>
             </a:r>
             <a:endParaRPr lang="en-US" sz="1400" b="0" strike="noStrike" spc="-1" dirty="0">
               <a:latin typeface="Arial"/>
@@ -14373,7 +14437,7 @@
         </p:spPr>
         <p:txBody>
           <a:bodyPr anchor="ctr">
-            <a:normAutofit fontScale="90000" lnSpcReduction="20000"/>
+            <a:normAutofit fontScale="82500" lnSpcReduction="10000"/>
           </a:bodyPr>
           <a:lstStyle/>
           <a:p>
@@ -14391,9 +14455,22 @@
               </a:rPr>
               <a:t>Markov Random Field Notes</a:t>
             </a:r>
-            <a:br>
-              <a:rPr dirty="0"/>
-            </a:br>
+          </a:p>
+          <a:p>
+            <a:pPr algn="ctr">
+              <a:lnSpc>
+                <a:spcPct val="100000"/>
+              </a:lnSpc>
+            </a:pPr>
+            <a:r>
+              <a:rPr lang="en-US" sz="4400" spc="-1" dirty="0">
+                <a:solidFill>
+                  <a:srgbClr val="000000"/>
+                </a:solidFill>
+                <a:latin typeface="Calibri"/>
+              </a:rPr>
+              <a:t>A Little </a:t>
+            </a:r>
             <a:r>
               <a:rPr lang="en-US" sz="4400" b="0" strike="noStrike" spc="-1" dirty="0">
                 <a:solidFill>
@@ -14401,7 +14478,7 @@
                 </a:solidFill>
                 <a:latin typeface="Calibri"/>
               </a:rPr>
-              <a:t>Theory and Computation</a:t>
+              <a:t>Theory and Lots of Computation</a:t>
             </a:r>
           </a:p>
         </p:txBody>
@@ -15592,8 +15669,8 @@
         </p:nvSpPr>
         <p:spPr>
           <a:xfrm rot="2153579" flipH="1">
-            <a:off x="3674132" y="5497536"/>
-            <a:ext cx="920845" cy="669323"/>
+            <a:off x="3682869" y="5504943"/>
+            <a:ext cx="881096" cy="655931"/>
           </a:xfrm>
           <a:custGeom>
             <a:avLst/>
@@ -15640,7 +15717,7 @@
           <a:bodyPr/>
           <a:lstStyle/>
           <a:p>
-            <a:endParaRPr lang="en-US"/>
+            <a:endParaRPr lang="en-US" dirty="0"/>
           </a:p>
         </p:txBody>
       </p:sp>
@@ -15766,8 +15843,8 @@
         </p:nvSpPr>
         <p:spPr>
           <a:xfrm rot="2153579" flipH="1">
-            <a:off x="3924197" y="3896772"/>
-            <a:ext cx="790200" cy="2044440"/>
+            <a:off x="3980934" y="3721596"/>
+            <a:ext cx="570922" cy="2166971"/>
           </a:xfrm>
           <a:prstGeom prst="line">
             <a:avLst/>
@@ -19120,7 +19197,7 @@
         </p:nvSpPr>
         <p:spPr>
           <a:xfrm rot="2153579" flipH="1">
-            <a:off x="3335301" y="5906894"/>
+            <a:off x="3346876" y="5906894"/>
             <a:ext cx="792770" cy="548840"/>
           </a:xfrm>
           <a:custGeom>
@@ -19461,7 +19538,7 @@
         </p:nvSpPr>
         <p:spPr>
           <a:xfrm flipV="1">
-            <a:off x="3201436" y="2157409"/>
+            <a:off x="3189861" y="2157409"/>
             <a:ext cx="502560" cy="502560"/>
           </a:xfrm>
           <a:prstGeom prst="rect">
@@ -19571,7 +19648,7 @@
         </p:nvSpPr>
         <p:spPr>
           <a:xfrm>
-            <a:off x="3703636" y="2409769"/>
+            <a:off x="3692061" y="2409769"/>
             <a:ext cx="653400" cy="360"/>
           </a:xfrm>
           <a:custGeom>
@@ -19835,7 +19912,7 @@
         </p:nvSpPr>
         <p:spPr>
           <a:xfrm>
-            <a:off x="3251836" y="2225089"/>
+            <a:off x="3240261" y="2225089"/>
             <a:ext cx="443160" cy="401400"/>
           </a:xfrm>
           <a:prstGeom prst="rect">
